--- a/_posts/ithome/2021/線性回歸/Linear Regression.pptx
+++ b/_posts/ithome/2021/線性回歸/Linear Regression.pptx
@@ -5,13 +5,15 @@
     <p:sldMasterId id="2147483648" r:id="rId1"/>
   </p:sldMasterIdLst>
   <p:notesMasterIdLst>
-    <p:notesMasterId r:id="rId6"/>
+    <p:notesMasterId r:id="rId8"/>
   </p:notesMasterIdLst>
   <p:sldIdLst>
     <p:sldId id="257" r:id="rId2"/>
     <p:sldId id="256" r:id="rId3"/>
     <p:sldId id="258" r:id="rId4"/>
     <p:sldId id="259" r:id="rId5"/>
+    <p:sldId id="260" r:id="rId6"/>
+    <p:sldId id="261" r:id="rId7"/>
   </p:sldIdLst>
   <p:sldSz cx="12192000" cy="6858000"/>
   <p:notesSz cx="6858000" cy="9144000"/>
@@ -8276,6 +8278,198 @@
 </p:sld>
 </file>
 
+<file path=ppt/slides/slide5.xml><?xml version="1.0" encoding="utf-8"?>
+<p:sld xmlns:a="http://schemas.openxmlformats.org/drawingml/2006/main" xmlns:r="http://schemas.openxmlformats.org/officeDocument/2006/relationships" xmlns:p="http://schemas.openxmlformats.org/presentationml/2006/main">
+  <p:cSld>
+    <p:spTree>
+      <p:nvGrpSpPr>
+        <p:cNvPr id="1" name=""/>
+        <p:cNvGrpSpPr/>
+        <p:nvPr/>
+      </p:nvGrpSpPr>
+      <p:grpSpPr>
+        <a:xfrm>
+          <a:off x="0" y="0"/>
+          <a:ext cx="0" cy="0"/>
+          <a:chOff x="0" y="0"/>
+          <a:chExt cx="0" cy="0"/>
+        </a:xfrm>
+      </p:grpSpPr>
+      <p:sp>
+        <p:nvSpPr>
+          <p:cNvPr id="2" name="Title 1">
+            <a:extLst>
+              <a:ext uri="{FF2B5EF4-FFF2-40B4-BE49-F238E27FC236}">
+                <a16:creationId xmlns:a16="http://schemas.microsoft.com/office/drawing/2014/main" id="{E5A1A873-60F7-3A48-B2EB-0FA3E8B9E1EC}"/>
+              </a:ext>
+            </a:extLst>
+          </p:cNvPr>
+          <p:cNvSpPr>
+            <a:spLocks noGrp="1"/>
+          </p:cNvSpPr>
+          <p:nvPr>
+            <p:ph type="title"/>
+          </p:nvPr>
+        </p:nvSpPr>
+        <p:spPr/>
+        <p:txBody>
+          <a:bodyPr/>
+          <a:lstStyle/>
+          <a:p>
+            <a:endParaRPr lang="en-TW"/>
+          </a:p>
+        </p:txBody>
+      </p:sp>
+      <p:pic>
+        <p:nvPicPr>
+          <p:cNvPr id="5" name="Content Placeholder 4">
+            <a:extLst>
+              <a:ext uri="{FF2B5EF4-FFF2-40B4-BE49-F238E27FC236}">
+                <a16:creationId xmlns:a16="http://schemas.microsoft.com/office/drawing/2014/main" id="{4EC9D5C2-8BC7-8D4A-8B97-EC85748F1DB0}"/>
+              </a:ext>
+            </a:extLst>
+          </p:cNvPr>
+          <p:cNvPicPr>
+            <a:picLocks noGrp="1" noChangeAspect="1"/>
+          </p:cNvPicPr>
+          <p:nvPr>
+            <p:ph idx="1"/>
+          </p:nvPr>
+        </p:nvPicPr>
+        <p:blipFill>
+          <a:blip r:embed="rId2">
+            <a:extLst>
+              <a:ext uri="{28A0092B-C50C-407E-A947-70E740481C1C}">
+                <a14:useLocalDpi xmlns:a14="http://schemas.microsoft.com/office/drawing/2010/main" val="0"/>
+              </a:ext>
+            </a:extLst>
+          </a:blip>
+          <a:stretch>
+            <a:fillRect/>
+          </a:stretch>
+        </p:blipFill>
+        <p:spPr>
+          <a:xfrm>
+            <a:off x="318911" y="2343238"/>
+            <a:ext cx="4890171" cy="3030273"/>
+          </a:xfrm>
+        </p:spPr>
+      </p:pic>
+      <p:pic>
+        <p:nvPicPr>
+          <p:cNvPr id="7" name="Picture 6">
+            <a:extLst>
+              <a:ext uri="{FF2B5EF4-FFF2-40B4-BE49-F238E27FC236}">
+                <a16:creationId xmlns:a16="http://schemas.microsoft.com/office/drawing/2014/main" id="{D8DF655F-BDE2-6643-A1BA-66C312627CBC}"/>
+              </a:ext>
+            </a:extLst>
+          </p:cNvPr>
+          <p:cNvPicPr>
+            <a:picLocks noChangeAspect="1"/>
+          </p:cNvPicPr>
+          <p:nvPr/>
+        </p:nvPicPr>
+        <p:blipFill>
+          <a:blip r:embed="rId3">
+            <a:extLst>
+              <a:ext uri="{28A0092B-C50C-407E-A947-70E740481C1C}">
+                <a14:useLocalDpi xmlns:a14="http://schemas.microsoft.com/office/drawing/2010/main" val="0"/>
+              </a:ext>
+            </a:extLst>
+          </a:blip>
+          <a:stretch>
+            <a:fillRect/>
+          </a:stretch>
+        </p:blipFill>
+        <p:spPr>
+          <a:xfrm>
+            <a:off x="6389511" y="2264215"/>
+            <a:ext cx="4529923" cy="3109296"/>
+          </a:xfrm>
+          <a:prstGeom prst="rect">
+            <a:avLst/>
+          </a:prstGeom>
+        </p:spPr>
+      </p:pic>
+    </p:spTree>
+    <p:extLst>
+      <p:ext uri="{BB962C8B-B14F-4D97-AF65-F5344CB8AC3E}">
+        <p14:creationId xmlns:p14="http://schemas.microsoft.com/office/powerpoint/2010/main" val="314865298"/>
+      </p:ext>
+    </p:extLst>
+  </p:cSld>
+  <p:clrMapOvr>
+    <a:masterClrMapping/>
+  </p:clrMapOvr>
+</p:sld>
+</file>
+
+<file path=ppt/slides/slide6.xml><?xml version="1.0" encoding="utf-8"?>
+<p:sld xmlns:a="http://schemas.openxmlformats.org/drawingml/2006/main" xmlns:r="http://schemas.openxmlformats.org/officeDocument/2006/relationships" xmlns:p="http://schemas.openxmlformats.org/presentationml/2006/main">
+  <p:cSld>
+    <p:spTree>
+      <p:nvGrpSpPr>
+        <p:cNvPr id="1" name=""/>
+        <p:cNvGrpSpPr/>
+        <p:nvPr/>
+      </p:nvGrpSpPr>
+      <p:grpSpPr>
+        <a:xfrm>
+          <a:off x="0" y="0"/>
+          <a:ext cx="0" cy="0"/>
+          <a:chOff x="0" y="0"/>
+          <a:chExt cx="0" cy="0"/>
+        </a:xfrm>
+      </p:grpSpPr>
+      <p:pic>
+        <p:nvPicPr>
+          <p:cNvPr id="4" name="Picture 3">
+            <a:extLst>
+              <a:ext uri="{FF2B5EF4-FFF2-40B4-BE49-F238E27FC236}">
+                <a16:creationId xmlns:a16="http://schemas.microsoft.com/office/drawing/2014/main" id="{258B4B88-7461-024B-9524-25EF8EB203F4}"/>
+              </a:ext>
+            </a:extLst>
+          </p:cNvPr>
+          <p:cNvPicPr>
+            <a:picLocks noChangeAspect="1"/>
+          </p:cNvPicPr>
+          <p:nvPr/>
+        </p:nvPicPr>
+        <p:blipFill>
+          <a:blip r:embed="rId2">
+            <a:extLst>
+              <a:ext uri="{28A0092B-C50C-407E-A947-70E740481C1C}">
+                <a14:useLocalDpi xmlns:a14="http://schemas.microsoft.com/office/drawing/2010/main" val="0"/>
+              </a:ext>
+            </a:extLst>
+          </a:blip>
+          <a:stretch>
+            <a:fillRect/>
+          </a:stretch>
+        </p:blipFill>
+        <p:spPr>
+          <a:xfrm>
+            <a:off x="2498025" y="1581855"/>
+            <a:ext cx="5666664" cy="3694289"/>
+          </a:xfrm>
+          <a:prstGeom prst="rect">
+            <a:avLst/>
+          </a:prstGeom>
+        </p:spPr>
+      </p:pic>
+    </p:spTree>
+    <p:extLst>
+      <p:ext uri="{BB962C8B-B14F-4D97-AF65-F5344CB8AC3E}">
+        <p14:creationId xmlns:p14="http://schemas.microsoft.com/office/powerpoint/2010/main" val="935834198"/>
+      </p:ext>
+    </p:extLst>
+  </p:cSld>
+  <p:clrMapOvr>
+    <a:masterClrMapping/>
+  </p:clrMapOvr>
+</p:sld>
+</file>
+
 <file path=ppt/theme/theme1.xml><?xml version="1.0" encoding="utf-8"?>
 <a:theme xmlns:a="http://schemas.openxmlformats.org/drawingml/2006/main" name="Office 佈景主題">
   <a:themeElements>

--- a/_posts/ithome/2021/線性回歸/Linear Regression.pptx
+++ b/_posts/ithome/2021/線性回歸/Linear Regression.pptx
@@ -5,7 +5,7 @@
     <p:sldMasterId id="2147483648" r:id="rId1"/>
   </p:sldMasterIdLst>
   <p:notesMasterIdLst>
-    <p:notesMasterId r:id="rId8"/>
+    <p:notesMasterId r:id="rId9"/>
   </p:notesMasterIdLst>
   <p:sldIdLst>
     <p:sldId id="257" r:id="rId2"/>
@@ -14,6 +14,7 @@
     <p:sldId id="259" r:id="rId5"/>
     <p:sldId id="260" r:id="rId6"/>
     <p:sldId id="261" r:id="rId7"/>
+    <p:sldId id="262" r:id="rId8"/>
   </p:sldIdLst>
   <p:sldSz cx="12192000" cy="6858000"/>
   <p:notesSz cx="6858000" cy="9144000"/>
@@ -202,7 +203,7 @@
           <a:p>
             <a:fld id="{70F9483D-5685-4610-8B91-BE6D65D1569A}" type="datetimeFigureOut">
               <a:rPr lang="zh-TW" altLang="en-US" smtClean="0"/>
-              <a:t>2021/8/8</a:t>
+              <a:t>2021/8/9</a:t>
             </a:fld>
             <a:endParaRPr lang="zh-TW" altLang="en-US"/>
           </a:p>
@@ -1042,6 +1043,312 @@
 </p:notes>
 </file>
 
+<file path=ppt/notesSlides/notesSlide4.xml><?xml version="1.0" encoding="utf-8"?>
+<p:notes xmlns:a="http://schemas.openxmlformats.org/drawingml/2006/main" xmlns:r="http://schemas.openxmlformats.org/officeDocument/2006/relationships" xmlns:p="http://schemas.openxmlformats.org/presentationml/2006/main">
+  <p:cSld>
+    <p:spTree>
+      <p:nvGrpSpPr>
+        <p:cNvPr id="1" name=""/>
+        <p:cNvGrpSpPr/>
+        <p:nvPr/>
+      </p:nvGrpSpPr>
+      <p:grpSpPr>
+        <a:xfrm>
+          <a:off x="0" y="0"/>
+          <a:ext cx="0" cy="0"/>
+          <a:chOff x="0" y="0"/>
+          <a:chExt cx="0" cy="0"/>
+        </a:xfrm>
+      </p:grpSpPr>
+      <p:sp>
+        <p:nvSpPr>
+          <p:cNvPr id="2" name="Slide Image Placeholder 1"/>
+          <p:cNvSpPr>
+            <a:spLocks noGrp="1" noRot="1" noChangeAspect="1"/>
+          </p:cNvSpPr>
+          <p:nvPr>
+            <p:ph type="sldImg"/>
+          </p:nvPr>
+        </p:nvSpPr>
+        <p:spPr/>
+      </p:sp>
+      <p:sp>
+        <p:nvSpPr>
+          <p:cNvPr id="3" name="Notes Placeholder 2"/>
+          <p:cNvSpPr>
+            <a:spLocks noGrp="1"/>
+          </p:cNvSpPr>
+          <p:nvPr>
+            <p:ph type="body" idx="1"/>
+          </p:nvPr>
+        </p:nvSpPr>
+        <p:spPr/>
+        <p:txBody>
+          <a:bodyPr/>
+          <a:lstStyle/>
+          <a:p>
+            <a:r>
+              <a:rPr lang="zh-TW" altLang="en-US" sz="1200" b="0" i="0" kern="1200" dirty="0">
+                <a:solidFill>
+                  <a:schemeClr val="tx1"/>
+                </a:solidFill>
+                <a:effectLst/>
+                <a:latin typeface="+mn-lt"/>
+                <a:ea typeface="+mn-ea"/>
+                <a:cs typeface="+mn-cs"/>
+              </a:rPr>
+              <a:t>對取</a:t>
+            </a:r>
+            <a:r>
+              <a:rPr lang="en-US" sz="1200" b="0" i="0" kern="1200" dirty="0">
+                <a:solidFill>
+                  <a:schemeClr val="tx1"/>
+                </a:solidFill>
+                <a:effectLst/>
+                <a:latin typeface="+mn-lt"/>
+                <a:ea typeface="+mn-ea"/>
+                <a:cs typeface="+mn-cs"/>
+              </a:rPr>
+              <a:t>w</a:t>
+            </a:r>
+            <a:r>
+              <a:rPr lang="zh-TW" altLang="en-US" sz="1200" b="0" i="0" kern="1200" dirty="0">
+                <a:solidFill>
+                  <a:schemeClr val="tx1"/>
+                </a:solidFill>
+                <a:effectLst/>
+                <a:latin typeface="+mn-lt"/>
+                <a:ea typeface="+mn-ea"/>
+                <a:cs typeface="+mn-cs"/>
+              </a:rPr>
+              <a:t>的梯度，也就是</a:t>
+            </a:r>
+            <a:r>
+              <a:rPr lang="en-US" altLang="zh-TW" sz="1200" b="0" i="0" kern="1200" dirty="0">
+                <a:solidFill>
+                  <a:schemeClr val="tx1"/>
+                </a:solidFill>
+                <a:effectLst/>
+                <a:latin typeface="+mn-lt"/>
+                <a:ea typeface="+mn-ea"/>
+                <a:cs typeface="+mn-cs"/>
+              </a:rPr>
+              <a:t>error</a:t>
+            </a:r>
+            <a:r>
+              <a:rPr lang="zh-TW" altLang="en-US" sz="1200" b="0" i="0" kern="1200" dirty="0">
+                <a:solidFill>
+                  <a:schemeClr val="tx1"/>
+                </a:solidFill>
+                <a:effectLst/>
+                <a:latin typeface="+mn-lt"/>
+                <a:ea typeface="+mn-ea"/>
+                <a:cs typeface="+mn-cs"/>
+              </a:rPr>
+              <a:t>對</a:t>
+            </a:r>
+            <a:r>
+              <a:rPr lang="en-US" sz="1200" b="0" i="0" kern="1200" dirty="0">
+                <a:solidFill>
+                  <a:schemeClr val="tx1"/>
+                </a:solidFill>
+                <a:effectLst/>
+                <a:latin typeface="+mn-lt"/>
+                <a:ea typeface="+mn-ea"/>
+                <a:cs typeface="+mn-cs"/>
+              </a:rPr>
+              <a:t>w</a:t>
+            </a:r>
+            <a:r>
+              <a:rPr lang="zh-TW" altLang="en-US" sz="1200" b="0" i="0" kern="1200" dirty="0">
+                <a:solidFill>
+                  <a:schemeClr val="tx1"/>
+                </a:solidFill>
+                <a:effectLst/>
+                <a:latin typeface="+mn-lt"/>
+                <a:ea typeface="+mn-ea"/>
+                <a:cs typeface="+mn-cs"/>
+              </a:rPr>
+              <a:t>偏微分。</a:t>
+            </a:r>
+            <a:endParaRPr lang="en-US" altLang="zh-TW" sz="1200" b="0" i="0" kern="1200" dirty="0">
+              <a:solidFill>
+                <a:schemeClr val="tx1"/>
+              </a:solidFill>
+              <a:effectLst/>
+              <a:latin typeface="+mn-lt"/>
+              <a:ea typeface="+mn-ea"/>
+              <a:cs typeface="+mn-cs"/>
+            </a:endParaRPr>
+          </a:p>
+          <a:p>
+            <a:r>
+              <a:rPr lang="zh-TW" altLang="en-US" sz="1200" b="0" i="0" kern="1200" dirty="0">
+                <a:solidFill>
+                  <a:schemeClr val="tx1"/>
+                </a:solidFill>
+                <a:effectLst/>
+                <a:latin typeface="+mn-lt"/>
+                <a:ea typeface="+mn-ea"/>
+                <a:cs typeface="+mn-cs"/>
+              </a:rPr>
+              <a:t>梯度下降法的核心思想就是對損失函式求偏導，從一個任意的隨機值開始，沿著梯度下降的方向對</a:t>
+            </a:r>
+            <a:r>
+              <a:rPr lang="el-GR" dirty="0"/>
+              <a:t>θ_0</a:t>
+            </a:r>
+            <a:r>
+              <a:rPr lang="zh-TW" altLang="en-US" sz="1200" b="0" i="0" kern="1200" dirty="0">
+                <a:solidFill>
+                  <a:schemeClr val="tx1"/>
+                </a:solidFill>
+                <a:effectLst/>
+                <a:latin typeface="+mn-lt"/>
+                <a:ea typeface="+mn-ea"/>
+                <a:cs typeface="+mn-cs"/>
+              </a:rPr>
+              <a:t>和</a:t>
+            </a:r>
+            <a:r>
+              <a:rPr lang="el-GR" dirty="0"/>
+              <a:t>θ_1</a:t>
+            </a:r>
+            <a:r>
+              <a:rPr lang="zh-TW" altLang="en-US" sz="1200" b="0" i="0" kern="1200" dirty="0">
+                <a:solidFill>
+                  <a:schemeClr val="tx1"/>
+                </a:solidFill>
+                <a:effectLst/>
+                <a:latin typeface="+mn-lt"/>
+                <a:ea typeface="+mn-ea"/>
+                <a:cs typeface="+mn-cs"/>
+              </a:rPr>
+              <a:t>的迭代 。</a:t>
+            </a:r>
+            <a:endParaRPr lang="en-US" altLang="zh-TW" sz="1200" b="0" i="0" kern="1200" dirty="0">
+              <a:solidFill>
+                <a:schemeClr val="tx1"/>
+              </a:solidFill>
+              <a:effectLst/>
+              <a:latin typeface="+mn-lt"/>
+              <a:ea typeface="+mn-ea"/>
+              <a:cs typeface="+mn-cs"/>
+            </a:endParaRPr>
+          </a:p>
+          <a:p>
+            <a:r>
+              <a:rPr lang="zh-TW" altLang="en-US" sz="1200" b="0" i="0" kern="1200" dirty="0">
+                <a:solidFill>
+                  <a:schemeClr val="tx1"/>
+                </a:solidFill>
+                <a:effectLst/>
+                <a:latin typeface="+mn-lt"/>
+                <a:ea typeface="+mn-ea"/>
+                <a:cs typeface="+mn-cs"/>
+              </a:rPr>
+              <a:t>然後肯定有人問既然要最小化它，那求個導數，然後使得導數等於</a:t>
+            </a:r>
+            <a:r>
+              <a:rPr lang="en-US" altLang="zh-TW" sz="1200" b="0" i="0" kern="1200" dirty="0">
+                <a:solidFill>
+                  <a:schemeClr val="tx1"/>
+                </a:solidFill>
+                <a:effectLst/>
+                <a:latin typeface="+mn-lt"/>
+                <a:ea typeface="+mn-ea"/>
+                <a:cs typeface="+mn-cs"/>
+              </a:rPr>
+              <a:t>0</a:t>
+            </a:r>
+            <a:r>
+              <a:rPr lang="zh-TW" altLang="en-US" sz="1200" b="0" i="0" kern="1200" dirty="0">
+                <a:solidFill>
+                  <a:schemeClr val="tx1"/>
+                </a:solidFill>
+                <a:effectLst/>
+                <a:latin typeface="+mn-lt"/>
+                <a:ea typeface="+mn-ea"/>
+                <a:cs typeface="+mn-cs"/>
+              </a:rPr>
+              <a:t>求出不就好了嗎？</a:t>
+            </a:r>
+            <a:r>
+              <a:rPr lang="en-US" sz="1200" b="0" i="0" kern="1200" dirty="0" err="1">
+                <a:solidFill>
+                  <a:schemeClr val="tx1"/>
+                </a:solidFill>
+                <a:effectLst/>
+                <a:latin typeface="+mn-lt"/>
+                <a:ea typeface="+mn-ea"/>
+                <a:cs typeface="+mn-cs"/>
+              </a:rPr>
+              <a:t>Emmmm</a:t>
+            </a:r>
+            <a:r>
+              <a:rPr lang="en-US" sz="1200" b="0" i="0" kern="1200" dirty="0">
+                <a:solidFill>
+                  <a:schemeClr val="tx1"/>
+                </a:solidFill>
+                <a:effectLst/>
+                <a:latin typeface="+mn-lt"/>
+                <a:ea typeface="+mn-ea"/>
+                <a:cs typeface="+mn-cs"/>
+              </a:rPr>
+              <a:t>...</a:t>
+            </a:r>
+            <a:r>
+              <a:rPr lang="zh-TW" altLang="en-US" sz="1200" b="0" i="0" kern="1200" dirty="0">
+                <a:solidFill>
+                  <a:schemeClr val="tx1"/>
+                </a:solidFill>
+                <a:effectLst/>
+                <a:latin typeface="+mn-lt"/>
+                <a:ea typeface="+mn-ea"/>
+                <a:cs typeface="+mn-cs"/>
+              </a:rPr>
+              <a:t>是的。但機器學習或深度學習中，很多都是超高維的，所以也一般不用那種方法。總之，梯度下降是另一種優化的不錯方式，比直接求導好很多。</a:t>
+            </a:r>
+            <a:endParaRPr lang="en-TW" dirty="0"/>
+          </a:p>
+        </p:txBody>
+      </p:sp>
+      <p:sp>
+        <p:nvSpPr>
+          <p:cNvPr id="4" name="Slide Number Placeholder 3"/>
+          <p:cNvSpPr>
+            <a:spLocks noGrp="1"/>
+          </p:cNvSpPr>
+          <p:nvPr>
+            <p:ph type="sldNum" sz="quarter" idx="5"/>
+          </p:nvPr>
+        </p:nvSpPr>
+        <p:spPr/>
+        <p:txBody>
+          <a:bodyPr/>
+          <a:lstStyle/>
+          <a:p>
+            <a:fld id="{41F77630-0304-4BDB-992F-F15AAB68FE33}" type="slidenum">
+              <a:rPr lang="zh-TW" altLang="en-US" smtClean="0"/>
+              <a:t>7</a:t>
+            </a:fld>
+            <a:endParaRPr lang="zh-TW" altLang="en-US"/>
+          </a:p>
+        </p:txBody>
+      </p:sp>
+    </p:spTree>
+    <p:extLst>
+      <p:ext uri="{BB962C8B-B14F-4D97-AF65-F5344CB8AC3E}">
+        <p14:creationId xmlns:p14="http://schemas.microsoft.com/office/powerpoint/2010/main" val="3657951901"/>
+      </p:ext>
+    </p:extLst>
+  </p:cSld>
+  <p:clrMapOvr>
+    <a:masterClrMapping/>
+  </p:clrMapOvr>
+</p:notes>
+</file>
+
 <file path=ppt/slideLayouts/slideLayout1.xml><?xml version="1.0" encoding="utf-8"?>
 <p:sldLayout xmlns:a="http://schemas.openxmlformats.org/drawingml/2006/main" xmlns:r="http://schemas.openxmlformats.org/officeDocument/2006/relationships" xmlns:p="http://schemas.openxmlformats.org/presentationml/2006/main" preserve="1" userDrawn="1">
   <p:cSld name="1_含標題的內容">
@@ -3568,7 +3875,7 @@
           <a:p>
             <a:fld id="{B90AA977-5E56-4B1C-84F9-CDECE789AE20}" type="datetimeFigureOut">
               <a:rPr lang="zh-TW" altLang="en-US" smtClean="0"/>
-              <a:t>2021/8/8</a:t>
+              <a:t>2021/8/9</a:t>
             </a:fld>
             <a:endParaRPr lang="zh-TW" altLang="en-US"/>
           </a:p>
@@ -8470,6 +8777,847 @@
 </p:sld>
 </file>
 
+<file path=ppt/slides/slide7.xml><?xml version="1.0" encoding="utf-8"?>
+<p:sld xmlns:a="http://schemas.openxmlformats.org/drawingml/2006/main" xmlns:r="http://schemas.openxmlformats.org/officeDocument/2006/relationships" xmlns:p="http://schemas.openxmlformats.org/presentationml/2006/main">
+  <p:cSld>
+    <p:spTree>
+      <p:nvGrpSpPr>
+        <p:cNvPr id="1" name=""/>
+        <p:cNvGrpSpPr/>
+        <p:nvPr/>
+      </p:nvGrpSpPr>
+      <p:grpSpPr>
+        <a:xfrm>
+          <a:off x="0" y="0"/>
+          <a:ext cx="0" cy="0"/>
+          <a:chOff x="0" y="0"/>
+          <a:chExt cx="0" cy="0"/>
+        </a:xfrm>
+      </p:grpSpPr>
+      <p:pic>
+        <p:nvPicPr>
+          <p:cNvPr id="6" name="Picture 5">
+            <a:extLst>
+              <a:ext uri="{FF2B5EF4-FFF2-40B4-BE49-F238E27FC236}">
+                <a16:creationId xmlns:a16="http://schemas.microsoft.com/office/drawing/2014/main" id="{20179238-E1C0-C24B-AAAF-2690430F1487}"/>
+              </a:ext>
+            </a:extLst>
+          </p:cNvPr>
+          <p:cNvPicPr>
+            <a:picLocks noChangeAspect="1"/>
+          </p:cNvPicPr>
+          <p:nvPr/>
+        </p:nvPicPr>
+        <p:blipFill>
+          <a:blip r:embed="rId3">
+            <a:extLst>
+              <a:ext uri="{28A0092B-C50C-407E-A947-70E740481C1C}">
+                <a14:useLocalDpi xmlns:a14="http://schemas.microsoft.com/office/drawing/2010/main" val="0"/>
+              </a:ext>
+            </a:extLst>
+          </a:blip>
+          <a:stretch>
+            <a:fillRect/>
+          </a:stretch>
+        </p:blipFill>
+        <p:spPr>
+          <a:xfrm>
+            <a:off x="1693334" y="1636888"/>
+            <a:ext cx="4761859" cy="3273778"/>
+          </a:xfrm>
+          <a:prstGeom prst="rect">
+            <a:avLst/>
+          </a:prstGeom>
+        </p:spPr>
+      </p:pic>
+      <mc:AlternateContent xmlns:mc="http://schemas.openxmlformats.org/markup-compatibility/2006" xmlns:a14="http://schemas.microsoft.com/office/drawing/2010/main">
+        <mc:Choice Requires="a14">
+          <p:sp>
+            <p:nvSpPr>
+              <p:cNvPr id="8" name="Rectangle 7">
+                <a:extLst>
+                  <a:ext uri="{FF2B5EF4-FFF2-40B4-BE49-F238E27FC236}">
+                    <a16:creationId xmlns:a16="http://schemas.microsoft.com/office/drawing/2014/main" id="{936DD182-27B0-214A-98C1-0A64EF6E3364}"/>
+                  </a:ext>
+                </a:extLst>
+              </p:cNvPr>
+              <p:cNvSpPr/>
+              <p:nvPr/>
+            </p:nvSpPr>
+            <p:spPr>
+              <a:xfrm>
+                <a:off x="2973698" y="1535288"/>
+                <a:ext cx="2539798" cy="368627"/>
+              </a:xfrm>
+              <a:prstGeom prst="rect">
+                <a:avLst/>
+              </a:prstGeom>
+            </p:spPr>
+            <p:txBody>
+              <a:bodyPr wrap="none">
+                <a:spAutoFit/>
+              </a:bodyPr>
+              <a:lstStyle/>
+              <a:p>
+                <a:r>
+                  <a:rPr lang="en-US" sz="1600" dirty="0">
+                    <a:solidFill>
+                      <a:prstClr val="black"/>
+                    </a:solidFill>
+                    <a:latin typeface="微軟正黑體" panose="020B0604030504040204" pitchFamily="34" charset="-120"/>
+                    <a:ea typeface="微軟正黑體" panose="020B0604030504040204" pitchFamily="34" charset="-120"/>
+                  </a:rPr>
+                  <a:t>線性方程式：</a:t>
+                </a:r>
+                <a14:m>
+                  <m:oMath xmlns:m="http://schemas.openxmlformats.org/officeDocument/2006/math">
+                    <m:r>
+                      <a:rPr lang="en-US" sz="1600" b="0" i="1" smtClean="0">
+                        <a:solidFill>
+                          <a:prstClr val="black"/>
+                        </a:solidFill>
+                        <a:latin typeface="Cambria Math" panose="02040503050406030204" pitchFamily="18" charset="0"/>
+                        <a:ea typeface="微軟正黑體" panose="020B0604030504040204" pitchFamily="34" charset="-120"/>
+                      </a:rPr>
+                      <m:t>𝑦</m:t>
+                    </m:r>
+                    <m:r>
+                      <a:rPr lang="en-US" sz="1600" b="0" i="1" smtClean="0">
+                        <a:solidFill>
+                          <a:prstClr val="black"/>
+                        </a:solidFill>
+                        <a:latin typeface="Cambria Math" panose="02040503050406030204" pitchFamily="18" charset="0"/>
+                        <a:ea typeface="微軟正黑體" panose="020B0604030504040204" pitchFamily="34" charset="-120"/>
+                      </a:rPr>
+                      <m:t>=</m:t>
+                    </m:r>
+                    <m:r>
+                      <m:rPr>
+                        <m:nor/>
+                      </m:rPr>
+                      <a:rPr lang="el-GR" sz="1600" i="1" dirty="0">
+                        <a:latin typeface="Cambria Math" panose="02040503050406030204" pitchFamily="18" charset="0"/>
+                        <a:ea typeface="Cambria Math" panose="02040503050406030204" pitchFamily="18" charset="0"/>
+                      </a:rPr>
+                      <m:t>β</m:t>
+                    </m:r>
+                    <m:r>
+                      <m:rPr>
+                        <m:nor/>
+                      </m:rPr>
+                      <a:rPr lang="el-GR" sz="1600" baseline="-25000" dirty="0">
+                        <a:latin typeface="Cambria Math" panose="02040503050406030204" pitchFamily="18" charset="0"/>
+                        <a:ea typeface="Cambria Math" panose="02040503050406030204" pitchFamily="18" charset="0"/>
+                      </a:rPr>
+                      <m:t>0</m:t>
+                    </m:r>
+                    <m:r>
+                      <m:rPr>
+                        <m:nor/>
+                      </m:rPr>
+                      <a:rPr lang="el-GR" sz="1600" dirty="0">
+                        <a:latin typeface="Cambria Math" panose="02040503050406030204" pitchFamily="18" charset="0"/>
+                        <a:ea typeface="Cambria Math" panose="02040503050406030204" pitchFamily="18" charset="0"/>
+                      </a:rPr>
+                      <m:t> + </m:t>
+                    </m:r>
+                    <m:r>
+                      <m:rPr>
+                        <m:nor/>
+                      </m:rPr>
+                      <a:rPr lang="el-GR" sz="1600" i="1" dirty="0" smtClean="0">
+                        <a:latin typeface="Cambria Math" panose="02040503050406030204" pitchFamily="18" charset="0"/>
+                        <a:ea typeface="Cambria Math" panose="02040503050406030204" pitchFamily="18" charset="0"/>
+                      </a:rPr>
+                      <m:t>β</m:t>
+                    </m:r>
+                    <m:r>
+                      <m:rPr>
+                        <m:nor/>
+                      </m:rPr>
+                      <a:rPr lang="el-GR" sz="1600" baseline="-25000" dirty="0" smtClean="0">
+                        <a:latin typeface="Cambria Math" panose="02040503050406030204" pitchFamily="18" charset="0"/>
+                        <a:ea typeface="Cambria Math" panose="02040503050406030204" pitchFamily="18" charset="0"/>
+                      </a:rPr>
+                      <m:t>1</m:t>
+                    </m:r>
+                    <m:r>
+                      <a:rPr lang="en-US" sz="1600" i="1">
+                        <a:solidFill>
+                          <a:prstClr val="black"/>
+                        </a:solidFill>
+                        <a:latin typeface="Cambria Math" panose="02040503050406030204" pitchFamily="18" charset="0"/>
+                        <a:ea typeface="微軟正黑體" panose="020B0604030504040204" pitchFamily="34" charset="-120"/>
+                      </a:rPr>
+                      <m:t>𝑥</m:t>
+                    </m:r>
+                  </m:oMath>
+                </a14:m>
+                <a:endParaRPr lang="en-TW" sz="1600" i="1" dirty="0">
+                  <a:latin typeface="Cambria Math" panose="02040503050406030204" pitchFamily="18" charset="0"/>
+                  <a:ea typeface="Cambria Math" panose="02040503050406030204" pitchFamily="18" charset="0"/>
+                </a:endParaRPr>
+              </a:p>
+            </p:txBody>
+          </p:sp>
+        </mc:Choice>
+        <mc:Fallback xmlns="">
+          <p:sp>
+            <p:nvSpPr>
+              <p:cNvPr id="8" name="Rectangle 7">
+                <a:extLst>
+                  <a:ext uri="{FF2B5EF4-FFF2-40B4-BE49-F238E27FC236}">
+                    <a16:creationId xmlns:a16="http://schemas.microsoft.com/office/drawing/2014/main" id="{936DD182-27B0-214A-98C1-0A64EF6E3364}"/>
+                  </a:ext>
+                </a:extLst>
+              </p:cNvPr>
+              <p:cNvSpPr>
+                <a:spLocks noRot="1" noChangeAspect="1" noMove="1" noResize="1" noEditPoints="1" noAdjustHandles="1" noChangeArrowheads="1" noChangeShapeType="1" noTextEdit="1"/>
+              </p:cNvSpPr>
+              <p:nvPr/>
+            </p:nvSpPr>
+            <p:spPr>
+              <a:xfrm>
+                <a:off x="2973698" y="1535288"/>
+                <a:ext cx="2539798" cy="368627"/>
+              </a:xfrm>
+              <a:prstGeom prst="rect">
+                <a:avLst/>
+              </a:prstGeom>
+              <a:blipFill>
+                <a:blip r:embed="rId4"/>
+                <a:stretch>
+                  <a:fillRect l="-1500" b="-20000"/>
+                </a:stretch>
+              </a:blipFill>
+            </p:spPr>
+            <p:txBody>
+              <a:bodyPr/>
+              <a:lstStyle/>
+              <a:p>
+                <a:r>
+                  <a:rPr lang="en-TW">
+                    <a:noFill/>
+                  </a:rPr>
+                  <a:t> </a:t>
+                </a:r>
+              </a:p>
+            </p:txBody>
+          </p:sp>
+        </mc:Fallback>
+      </mc:AlternateContent>
+      <mc:AlternateContent xmlns:mc="http://schemas.openxmlformats.org/markup-compatibility/2006" xmlns:a14="http://schemas.microsoft.com/office/drawing/2010/main">
+        <mc:Choice Requires="a14">
+          <p:sp>
+            <p:nvSpPr>
+              <p:cNvPr id="9" name="TextBox 8">
+                <a:extLst>
+                  <a:ext uri="{FF2B5EF4-FFF2-40B4-BE49-F238E27FC236}">
+                    <a16:creationId xmlns:a16="http://schemas.microsoft.com/office/drawing/2014/main" id="{33561770-8A8D-7D45-985F-3F443EE55A71}"/>
+                  </a:ext>
+                </a:extLst>
+              </p:cNvPr>
+              <p:cNvSpPr txBox="1"/>
+              <p:nvPr/>
+            </p:nvSpPr>
+            <p:spPr>
+              <a:xfrm>
+                <a:off x="7083778" y="2308578"/>
+                <a:ext cx="2304797" cy="270652"/>
+              </a:xfrm>
+              <a:prstGeom prst="rect">
+                <a:avLst/>
+              </a:prstGeom>
+              <a:noFill/>
+            </p:spPr>
+            <p:txBody>
+              <a:bodyPr wrap="none" lIns="0" tIns="0" rIns="0" bIns="0" rtlCol="0">
+                <a:spAutoFit/>
+              </a:bodyPr>
+              <a:lstStyle/>
+              <a:p>
+                <a:pPr/>
+                <a14:m>
+                  <m:oMathPara xmlns:m="http://schemas.openxmlformats.org/officeDocument/2006/math">
+                    <m:oMathParaPr>
+                      <m:jc m:val="centerGroup"/>
+                    </m:oMathParaPr>
+                    <m:oMath xmlns:m="http://schemas.openxmlformats.org/officeDocument/2006/math">
+                      <m:r>
+                        <a:rPr lang="en-US" b="0" i="1" smtClean="0">
+                          <a:latin typeface="Cambria Math" panose="02040503050406030204" pitchFamily="18" charset="0"/>
+                        </a:rPr>
+                        <m:t>𝑚𝑖𝑛𝑖𝑚𝑖𝑧𝑒</m:t>
+                      </m:r>
+                      <m:r>
+                        <m:rPr>
+                          <m:nor/>
+                        </m:rPr>
+                        <a:rPr lang="el-GR" i="1" baseline="-25000" dirty="0">
+                          <a:latin typeface="Cambria Math" panose="02040503050406030204" pitchFamily="18" charset="0"/>
+                          <a:ea typeface="Cambria Math" panose="02040503050406030204" pitchFamily="18" charset="0"/>
+                        </a:rPr>
+                        <m:t>β</m:t>
+                      </m:r>
+                      <m:r>
+                        <m:rPr>
+                          <m:nor/>
+                        </m:rPr>
+                        <a:rPr lang="el-GR" baseline="-25000" dirty="0">
+                          <a:latin typeface="Cambria Math" panose="02040503050406030204" pitchFamily="18" charset="0"/>
+                          <a:ea typeface="Cambria Math" panose="02040503050406030204" pitchFamily="18" charset="0"/>
+                        </a:rPr>
+                        <m:t>0</m:t>
+                      </m:r>
+                      <m:r>
+                        <m:rPr>
+                          <m:nor/>
+                        </m:rPr>
+                        <a:rPr lang="en-US" baseline="-25000" dirty="0">
+                          <a:latin typeface="Cambria Math" panose="02040503050406030204" pitchFamily="18" charset="0"/>
+                          <a:ea typeface="Cambria Math" panose="02040503050406030204" pitchFamily="18" charset="0"/>
+                        </a:rPr>
+                        <m:t>,</m:t>
+                      </m:r>
+                      <m:r>
+                        <m:rPr>
+                          <m:nor/>
+                        </m:rPr>
+                        <a:rPr lang="el-GR" baseline="-25000" dirty="0">
+                          <a:latin typeface="Cambria Math" panose="02040503050406030204" pitchFamily="18" charset="0"/>
+                          <a:ea typeface="Cambria Math" panose="02040503050406030204" pitchFamily="18" charset="0"/>
+                        </a:rPr>
+                        <m:t> </m:t>
+                      </m:r>
+                      <m:r>
+                        <m:rPr>
+                          <m:nor/>
+                        </m:rPr>
+                        <a:rPr lang="el-GR" i="1" baseline="-25000" dirty="0">
+                          <a:latin typeface="Cambria Math" panose="02040503050406030204" pitchFamily="18" charset="0"/>
+                          <a:ea typeface="Cambria Math" panose="02040503050406030204" pitchFamily="18" charset="0"/>
+                        </a:rPr>
+                        <m:t>β</m:t>
+                      </m:r>
+                      <m:r>
+                        <m:rPr>
+                          <m:nor/>
+                        </m:rPr>
+                        <a:rPr lang="el-GR" baseline="-25000" dirty="0">
+                          <a:latin typeface="Cambria Math" panose="02040503050406030204" pitchFamily="18" charset="0"/>
+                          <a:ea typeface="Cambria Math" panose="02040503050406030204" pitchFamily="18" charset="0"/>
+                        </a:rPr>
+                        <m:t>1</m:t>
+                      </m:r>
+                      <m:r>
+                        <a:rPr lang="en-US" b="0" i="1" baseline="-25000" dirty="0" smtClean="0">
+                          <a:latin typeface="Cambria Math" panose="02040503050406030204" pitchFamily="18" charset="0"/>
+                          <a:ea typeface="Cambria Math" panose="02040503050406030204" pitchFamily="18" charset="0"/>
+                        </a:rPr>
+                        <m:t> </m:t>
+                      </m:r>
+                      <m:r>
+                        <a:rPr lang="en-US" b="0" i="1" smtClean="0">
+                          <a:latin typeface="Cambria Math" panose="02040503050406030204" pitchFamily="18" charset="0"/>
+                        </a:rPr>
+                        <m:t>𝐽</m:t>
+                      </m:r>
+                      <m:r>
+                        <a:rPr lang="en-US" b="0" i="1" smtClean="0">
+                          <a:latin typeface="Cambria Math" panose="02040503050406030204" pitchFamily="18" charset="0"/>
+                        </a:rPr>
+                        <m:t>(</m:t>
+                      </m:r>
+                      <m:r>
+                        <m:rPr>
+                          <m:nor/>
+                        </m:rPr>
+                        <a:rPr lang="el-GR" i="1" dirty="0">
+                          <a:latin typeface="Cambria Math" panose="02040503050406030204" pitchFamily="18" charset="0"/>
+                          <a:ea typeface="Cambria Math" panose="02040503050406030204" pitchFamily="18" charset="0"/>
+                        </a:rPr>
+                        <m:t>β</m:t>
+                      </m:r>
+                      <m:r>
+                        <m:rPr>
+                          <m:nor/>
+                        </m:rPr>
+                        <a:rPr lang="el-GR" baseline="-25000" dirty="0">
+                          <a:latin typeface="Cambria Math" panose="02040503050406030204" pitchFamily="18" charset="0"/>
+                          <a:ea typeface="Cambria Math" panose="02040503050406030204" pitchFamily="18" charset="0"/>
+                        </a:rPr>
+                        <m:t>0</m:t>
+                      </m:r>
+                      <m:r>
+                        <m:rPr>
+                          <m:nor/>
+                        </m:rPr>
+                        <a:rPr lang="el-GR" dirty="0">
+                          <a:latin typeface="Cambria Math" panose="02040503050406030204" pitchFamily="18" charset="0"/>
+                          <a:ea typeface="Cambria Math" panose="02040503050406030204" pitchFamily="18" charset="0"/>
+                        </a:rPr>
+                        <m:t> </m:t>
+                      </m:r>
+                      <m:r>
+                        <m:rPr>
+                          <m:nor/>
+                        </m:rPr>
+                        <a:rPr lang="en-US" b="0" i="0" dirty="0" smtClean="0">
+                          <a:latin typeface="Cambria Math" panose="02040503050406030204" pitchFamily="18" charset="0"/>
+                          <a:ea typeface="Cambria Math" panose="02040503050406030204" pitchFamily="18" charset="0"/>
+                        </a:rPr>
+                        <m:t>,</m:t>
+                      </m:r>
+                      <m:r>
+                        <m:rPr>
+                          <m:nor/>
+                        </m:rPr>
+                        <a:rPr lang="el-GR" dirty="0">
+                          <a:latin typeface="Cambria Math" panose="02040503050406030204" pitchFamily="18" charset="0"/>
+                          <a:ea typeface="Cambria Math" panose="02040503050406030204" pitchFamily="18" charset="0"/>
+                        </a:rPr>
+                        <m:t> </m:t>
+                      </m:r>
+                      <m:r>
+                        <m:rPr>
+                          <m:nor/>
+                        </m:rPr>
+                        <a:rPr lang="el-GR" i="1" dirty="0">
+                          <a:latin typeface="Cambria Math" panose="02040503050406030204" pitchFamily="18" charset="0"/>
+                          <a:ea typeface="Cambria Math" panose="02040503050406030204" pitchFamily="18" charset="0"/>
+                        </a:rPr>
+                        <m:t>β</m:t>
+                      </m:r>
+                      <m:r>
+                        <m:rPr>
+                          <m:nor/>
+                        </m:rPr>
+                        <a:rPr lang="el-GR" baseline="-25000" dirty="0">
+                          <a:latin typeface="Cambria Math" panose="02040503050406030204" pitchFamily="18" charset="0"/>
+                          <a:ea typeface="Cambria Math" panose="02040503050406030204" pitchFamily="18" charset="0"/>
+                        </a:rPr>
+                        <m:t>1</m:t>
+                      </m:r>
+                      <m:r>
+                        <a:rPr lang="en-US" b="0" i="1" smtClean="0">
+                          <a:latin typeface="Cambria Math" panose="02040503050406030204" pitchFamily="18" charset="0"/>
+                        </a:rPr>
+                        <m:t>)</m:t>
+                      </m:r>
+                    </m:oMath>
+                  </m:oMathPara>
+                </a14:m>
+                <a:endParaRPr lang="en-TW" baseline="-25000" dirty="0"/>
+              </a:p>
+            </p:txBody>
+          </p:sp>
+        </mc:Choice>
+        <mc:Fallback xmlns="">
+          <p:sp>
+            <p:nvSpPr>
+              <p:cNvPr id="9" name="TextBox 8">
+                <a:extLst>
+                  <a:ext uri="{FF2B5EF4-FFF2-40B4-BE49-F238E27FC236}">
+                    <a16:creationId xmlns:a16="http://schemas.microsoft.com/office/drawing/2014/main" id="{33561770-8A8D-7D45-985F-3F443EE55A71}"/>
+                  </a:ext>
+                </a:extLst>
+              </p:cNvPr>
+              <p:cNvSpPr txBox="1">
+                <a:spLocks noRot="1" noChangeAspect="1" noMove="1" noResize="1" noEditPoints="1" noAdjustHandles="1" noChangeArrowheads="1" noChangeShapeType="1" noTextEdit="1"/>
+              </p:cNvSpPr>
+              <p:nvPr/>
+            </p:nvSpPr>
+            <p:spPr>
+              <a:xfrm>
+                <a:off x="7083778" y="2308578"/>
+                <a:ext cx="2304797" cy="270652"/>
+              </a:xfrm>
+              <a:prstGeom prst="rect">
+                <a:avLst/>
+              </a:prstGeom>
+              <a:blipFill>
+                <a:blip r:embed="rId5"/>
+                <a:stretch>
+                  <a:fillRect l="-2186" t="-4348" r="-3279" b="-43478"/>
+                </a:stretch>
+              </a:blipFill>
+            </p:spPr>
+            <p:txBody>
+              <a:bodyPr/>
+              <a:lstStyle/>
+              <a:p>
+                <a:r>
+                  <a:rPr lang="en-TW">
+                    <a:noFill/>
+                  </a:rPr>
+                  <a:t> </a:t>
+                </a:r>
+              </a:p>
+            </p:txBody>
+          </p:sp>
+        </mc:Fallback>
+      </mc:AlternateContent>
+      <mc:AlternateContent xmlns:mc="http://schemas.openxmlformats.org/markup-compatibility/2006">
+        <mc:Choice xmlns:a14="http://schemas.microsoft.com/office/drawing/2010/main" Requires="a14">
+          <p:sp>
+            <p:nvSpPr>
+              <p:cNvPr id="11" name="TextBox 10">
+                <a:extLst>
+                  <a:ext uri="{FF2B5EF4-FFF2-40B4-BE49-F238E27FC236}">
+                    <a16:creationId xmlns:a16="http://schemas.microsoft.com/office/drawing/2014/main" id="{986A950B-CD18-084F-9DC5-BFD1A5C06F77}"/>
+                  </a:ext>
+                </a:extLst>
+              </p:cNvPr>
+              <p:cNvSpPr txBox="1"/>
+              <p:nvPr/>
+            </p:nvSpPr>
+            <p:spPr>
+              <a:xfrm>
+                <a:off x="7083778" y="2860318"/>
+                <a:ext cx="1564594" cy="568682"/>
+              </a:xfrm>
+              <a:prstGeom prst="rect">
+                <a:avLst/>
+              </a:prstGeom>
+              <a:noFill/>
+            </p:spPr>
+            <p:txBody>
+              <a:bodyPr wrap="none" lIns="0" tIns="0" rIns="0" bIns="0" rtlCol="0">
+                <a:spAutoFit/>
+              </a:bodyPr>
+              <a:lstStyle/>
+              <a:p>
+                <a:pPr/>
+                <a14:m>
+                  <m:oMathPara xmlns:m="http://schemas.openxmlformats.org/officeDocument/2006/math">
+                    <m:oMathParaPr>
+                      <m:jc m:val="centerGroup"/>
+                    </m:oMathParaPr>
+                    <m:oMath xmlns:m="http://schemas.openxmlformats.org/officeDocument/2006/math">
+                      <m:r>
+                        <m:rPr>
+                          <m:nor/>
+                        </m:rPr>
+                        <a:rPr lang="el-GR" i="1" dirty="0" smtClean="0">
+                          <a:latin typeface="Cambria Math" panose="02040503050406030204" pitchFamily="18" charset="0"/>
+                          <a:ea typeface="Cambria Math" panose="02040503050406030204" pitchFamily="18" charset="0"/>
+                        </a:rPr>
+                        <m:t>β</m:t>
+                      </m:r>
+                      <m:r>
+                        <a:rPr lang="en-US" b="0" i="1" baseline="-25000" smtClean="0">
+                          <a:latin typeface="Cambria Math" panose="02040503050406030204" pitchFamily="18" charset="0"/>
+                        </a:rPr>
+                        <m:t>𝑖</m:t>
+                      </m:r>
+                      <m:r>
+                        <a:rPr lang="en-US" b="0" i="1" smtClean="0">
+                          <a:latin typeface="Cambria Math" panose="02040503050406030204" pitchFamily="18" charset="0"/>
+                        </a:rPr>
+                        <m:t>≔</m:t>
+                      </m:r>
+                      <m:r>
+                        <m:rPr>
+                          <m:nor/>
+                        </m:rPr>
+                        <a:rPr lang="el-GR" i="1" dirty="0">
+                          <a:latin typeface="Cambria Math" panose="02040503050406030204" pitchFamily="18" charset="0"/>
+                          <a:ea typeface="Cambria Math" panose="02040503050406030204" pitchFamily="18" charset="0"/>
+                        </a:rPr>
+                        <m:t>β</m:t>
+                      </m:r>
+                      <m:r>
+                        <a:rPr lang="en-US" i="1" baseline="-25000">
+                          <a:latin typeface="Cambria Math" panose="02040503050406030204" pitchFamily="18" charset="0"/>
+                        </a:rPr>
+                        <m:t>𝑖</m:t>
+                      </m:r>
+                      <m:r>
+                        <a:rPr lang="en-US" b="0" i="1" baseline="-25000" smtClean="0">
+                          <a:latin typeface="Cambria Math" panose="02040503050406030204" pitchFamily="18" charset="0"/>
+                        </a:rPr>
+                        <m:t> </m:t>
+                      </m:r>
+                      <m:r>
+                        <a:rPr lang="en-US" b="0" i="1" smtClean="0">
+                          <a:latin typeface="Cambria Math" panose="02040503050406030204" pitchFamily="18" charset="0"/>
+                        </a:rPr>
+                        <m:t>−</m:t>
+                      </m:r>
+                      <m:r>
+                        <a:rPr lang="en-US" b="0" i="1" smtClean="0">
+                          <a:latin typeface="Cambria Math" panose="02040503050406030204" pitchFamily="18" charset="0"/>
+                          <a:ea typeface="Cambria Math" panose="02040503050406030204" pitchFamily="18" charset="0"/>
+                        </a:rPr>
+                        <m:t>𝛼</m:t>
+                      </m:r>
+                      <m:f>
+                        <m:fPr>
+                          <m:ctrlPr>
+                            <a:rPr lang="en-US" b="0" i="1" smtClean="0">
+                              <a:latin typeface="Cambria Math" panose="02040503050406030204" pitchFamily="18" charset="0"/>
+                            </a:rPr>
+                          </m:ctrlPr>
+                        </m:fPr>
+                        <m:num>
+                          <m:r>
+                            <m:rPr>
+                              <m:nor/>
+                            </m:rPr>
+                            <a:rPr lang="en-TW"/>
+                            <m:t>∂</m:t>
+                          </m:r>
+                          <m:r>
+                            <a:rPr lang="en-US" b="0" i="1" smtClean="0">
+                              <a:latin typeface="Cambria Math" panose="02040503050406030204" pitchFamily="18" charset="0"/>
+                            </a:rPr>
+                            <m:t>𝐽</m:t>
+                          </m:r>
+                        </m:num>
+                        <m:den>
+                          <m:r>
+                            <m:rPr>
+                              <m:nor/>
+                            </m:rPr>
+                            <a:rPr lang="en-TW"/>
+                            <m:t>∂</m:t>
+                          </m:r>
+                          <m:r>
+                            <m:rPr>
+                              <m:nor/>
+                            </m:rPr>
+                            <a:rPr lang="el-GR" i="1" dirty="0">
+                              <a:latin typeface="Cambria Math" panose="02040503050406030204" pitchFamily="18" charset="0"/>
+                              <a:ea typeface="Cambria Math" panose="02040503050406030204" pitchFamily="18" charset="0"/>
+                            </a:rPr>
+                            <m:t>β</m:t>
+                          </m:r>
+                          <m:r>
+                            <a:rPr lang="en-US" i="1" baseline="-25000">
+                              <a:latin typeface="Cambria Math" panose="02040503050406030204" pitchFamily="18" charset="0"/>
+                            </a:rPr>
+                            <m:t>𝑖</m:t>
+                          </m:r>
+                        </m:den>
+                      </m:f>
+                    </m:oMath>
+                  </m:oMathPara>
+                </a14:m>
+                <a:endParaRPr lang="en-TW" dirty="0"/>
+              </a:p>
+            </p:txBody>
+          </p:sp>
+        </mc:Choice>
+        <mc:Fallback>
+          <p:sp>
+            <p:nvSpPr>
+              <p:cNvPr id="11" name="TextBox 10">
+                <a:extLst>
+                  <a:ext uri="{FF2B5EF4-FFF2-40B4-BE49-F238E27FC236}">
+                    <a16:creationId xmlns:a16="http://schemas.microsoft.com/office/drawing/2014/main" id="{986A950B-CD18-084F-9DC5-BFD1A5C06F77}"/>
+                  </a:ext>
+                </a:extLst>
+              </p:cNvPr>
+              <p:cNvSpPr txBox="1">
+                <a:spLocks noRot="1" noChangeAspect="1" noMove="1" noResize="1" noEditPoints="1" noAdjustHandles="1" noChangeArrowheads="1" noChangeShapeType="1" noTextEdit="1"/>
+              </p:cNvSpPr>
+              <p:nvPr/>
+            </p:nvSpPr>
+            <p:spPr>
+              <a:xfrm>
+                <a:off x="7083778" y="2860318"/>
+                <a:ext cx="1564594" cy="568682"/>
+              </a:xfrm>
+              <a:prstGeom prst="rect">
+                <a:avLst/>
+              </a:prstGeom>
+              <a:blipFill>
+                <a:blip r:embed="rId6"/>
+                <a:stretch>
+                  <a:fillRect l="-4800" t="-2174" r="-800" b="-17391"/>
+                </a:stretch>
+              </a:blipFill>
+            </p:spPr>
+            <p:txBody>
+              <a:bodyPr/>
+              <a:lstStyle/>
+              <a:p>
+                <a:r>
+                  <a:rPr lang="en-TW">
+                    <a:noFill/>
+                  </a:rPr>
+                  <a:t> </a:t>
+                </a:r>
+              </a:p>
+            </p:txBody>
+          </p:sp>
+        </mc:Fallback>
+      </mc:AlternateContent>
+      <mc:AlternateContent xmlns:mc="http://schemas.openxmlformats.org/markup-compatibility/2006" xmlns:a14="http://schemas.microsoft.com/office/drawing/2010/main">
+        <mc:Choice Requires="a14">
+          <p:sp>
+            <p:nvSpPr>
+              <p:cNvPr id="12" name="Rectangle 11">
+                <a:extLst>
+                  <a:ext uri="{FF2B5EF4-FFF2-40B4-BE49-F238E27FC236}">
+                    <a16:creationId xmlns:a16="http://schemas.microsoft.com/office/drawing/2014/main" id="{0C806318-ADDD-914F-8A2B-84D84E934BD3}"/>
+                  </a:ext>
+                </a:extLst>
+              </p:cNvPr>
+              <p:cNvSpPr/>
+              <p:nvPr/>
+            </p:nvSpPr>
+            <p:spPr>
+              <a:xfrm>
+                <a:off x="6975900" y="3619777"/>
+                <a:ext cx="2850267" cy="341184"/>
+              </a:xfrm>
+              <a:prstGeom prst="rect">
+                <a:avLst/>
+              </a:prstGeom>
+            </p:spPr>
+            <p:txBody>
+              <a:bodyPr wrap="none">
+                <a:spAutoFit/>
+              </a:bodyPr>
+              <a:lstStyle/>
+              <a:p>
+                <a:pPr/>
+                <a14:m>
+                  <m:oMathPara xmlns:m="http://schemas.openxmlformats.org/officeDocument/2006/math">
+                    <m:oMathParaPr>
+                      <m:jc m:val="centerGroup"/>
+                    </m:oMathParaPr>
+                    <m:oMath xmlns:m="http://schemas.openxmlformats.org/officeDocument/2006/math">
+                      <m:r>
+                        <a:rPr lang="en-US" sz="1600" i="1" smtClean="0">
+                          <a:latin typeface="Cambria Math" panose="02040503050406030204" pitchFamily="18" charset="0"/>
+                          <a:ea typeface="Cambria Math" panose="02040503050406030204" pitchFamily="18" charset="0"/>
+                        </a:rPr>
+                        <m:t>𝛼</m:t>
+                      </m:r>
+                      <m:r>
+                        <a:rPr lang="en-US" sz="1600" b="0" i="1" smtClean="0">
+                          <a:latin typeface="Cambria Math" panose="02040503050406030204" pitchFamily="18" charset="0"/>
+                          <a:ea typeface="Cambria Math" panose="02040503050406030204" pitchFamily="18" charset="0"/>
+                        </a:rPr>
+                        <m:t> </m:t>
+                      </m:r>
+                      <m:r>
+                        <a:rPr lang="en-US" sz="1600" i="1">
+                          <a:latin typeface="Cambria Math" panose="02040503050406030204" pitchFamily="18" charset="0"/>
+                          <a:ea typeface="Cambria Math" panose="02040503050406030204" pitchFamily="18" charset="0"/>
+                        </a:rPr>
+                        <m:t>為</m:t>
+                      </m:r>
+                      <m:r>
+                        <a:rPr lang="en-US" sz="1600" i="1" smtClean="0">
+                          <a:latin typeface="Cambria Math" panose="02040503050406030204" pitchFamily="18" charset="0"/>
+                          <a:ea typeface="Cambria Math" panose="02040503050406030204" pitchFamily="18" charset="0"/>
+                        </a:rPr>
+                        <m:t>學習速率</m:t>
+                      </m:r>
+                      <m:r>
+                        <a:rPr lang="en-US" sz="1600" b="0" i="1" smtClean="0">
+                          <a:latin typeface="Cambria Math" panose="02040503050406030204" pitchFamily="18" charset="0"/>
+                          <a:ea typeface="Cambria Math" panose="02040503050406030204" pitchFamily="18" charset="0"/>
+                        </a:rPr>
+                        <m:t>(</m:t>
+                      </m:r>
+                      <m:r>
+                        <a:rPr lang="en-US" sz="1600" b="0" i="1" smtClean="0">
+                          <a:latin typeface="Cambria Math" panose="02040503050406030204" pitchFamily="18" charset="0"/>
+                          <a:ea typeface="Cambria Math" panose="02040503050406030204" pitchFamily="18" charset="0"/>
+                        </a:rPr>
+                        <m:t>𝑙𝑒𝑎𝑟𝑛𝑖𝑛𝑔</m:t>
+                      </m:r>
+                      <m:r>
+                        <a:rPr lang="en-US" sz="1600" b="0" i="1" smtClean="0">
+                          <a:latin typeface="Cambria Math" panose="02040503050406030204" pitchFamily="18" charset="0"/>
+                          <a:ea typeface="Cambria Math" panose="02040503050406030204" pitchFamily="18" charset="0"/>
+                        </a:rPr>
+                        <m:t> </m:t>
+                      </m:r>
+                      <m:r>
+                        <a:rPr lang="en-US" sz="1600" b="0" i="1" smtClean="0">
+                          <a:latin typeface="Cambria Math" panose="02040503050406030204" pitchFamily="18" charset="0"/>
+                          <a:ea typeface="Cambria Math" panose="02040503050406030204" pitchFamily="18" charset="0"/>
+                        </a:rPr>
+                        <m:t>𝑟𝑎𝑡𝑒</m:t>
+                      </m:r>
+                      <m:r>
+                        <a:rPr lang="en-US" sz="1600" b="0" i="1" smtClean="0">
+                          <a:latin typeface="Cambria Math" panose="02040503050406030204" pitchFamily="18" charset="0"/>
+                          <a:ea typeface="Cambria Math" panose="02040503050406030204" pitchFamily="18" charset="0"/>
+                        </a:rPr>
+                        <m:t>)</m:t>
+                      </m:r>
+                    </m:oMath>
+                  </m:oMathPara>
+                </a14:m>
+                <a:endParaRPr lang="en-TW" dirty="0"/>
+              </a:p>
+            </p:txBody>
+          </p:sp>
+        </mc:Choice>
+        <mc:Fallback xmlns="">
+          <p:sp>
+            <p:nvSpPr>
+              <p:cNvPr id="12" name="Rectangle 11">
+                <a:extLst>
+                  <a:ext uri="{FF2B5EF4-FFF2-40B4-BE49-F238E27FC236}">
+                    <a16:creationId xmlns:a16="http://schemas.microsoft.com/office/drawing/2014/main" id="{0C806318-ADDD-914F-8A2B-84D84E934BD3}"/>
+                  </a:ext>
+                </a:extLst>
+              </p:cNvPr>
+              <p:cNvSpPr>
+                <a:spLocks noRot="1" noChangeAspect="1" noMove="1" noResize="1" noEditPoints="1" noAdjustHandles="1" noChangeArrowheads="1" noChangeShapeType="1" noTextEdit="1"/>
+              </p:cNvSpPr>
+              <p:nvPr/>
+            </p:nvSpPr>
+            <p:spPr>
+              <a:xfrm>
+                <a:off x="6975900" y="3619777"/>
+                <a:ext cx="2850267" cy="341184"/>
+              </a:xfrm>
+              <a:prstGeom prst="rect">
+                <a:avLst/>
+              </a:prstGeom>
+              <a:blipFill>
+                <a:blip r:embed="rId7"/>
+                <a:stretch>
+                  <a:fillRect b="-14815"/>
+                </a:stretch>
+              </a:blipFill>
+            </p:spPr>
+            <p:txBody>
+              <a:bodyPr/>
+              <a:lstStyle/>
+              <a:p>
+                <a:r>
+                  <a:rPr lang="en-TW">
+                    <a:noFill/>
+                  </a:rPr>
+                  <a:t> </a:t>
+                </a:r>
+              </a:p>
+            </p:txBody>
+          </p:sp>
+        </mc:Fallback>
+      </mc:AlternateContent>
+    </p:spTree>
+    <p:extLst>
+      <p:ext uri="{BB962C8B-B14F-4D97-AF65-F5344CB8AC3E}">
+        <p14:creationId xmlns:p14="http://schemas.microsoft.com/office/powerpoint/2010/main" val="676278456"/>
+      </p:ext>
+    </p:extLst>
+  </p:cSld>
+  <p:clrMapOvr>
+    <a:masterClrMapping/>
+  </p:clrMapOvr>
+</p:sld>
+</file>
+
 <file path=ppt/theme/theme1.xml><?xml version="1.0" encoding="utf-8"?>
 <a:theme xmlns:a="http://schemas.openxmlformats.org/drawingml/2006/main" name="Office 佈景主題">
   <a:themeElements>

--- a/_posts/ithome/2021/線性回歸/Linear Regression.pptx
+++ b/_posts/ithome/2021/線性回歸/Linear Regression.pptx
@@ -5,7 +5,7 @@
     <p:sldMasterId id="2147483648" r:id="rId1"/>
   </p:sldMasterIdLst>
   <p:notesMasterIdLst>
-    <p:notesMasterId r:id="rId9"/>
+    <p:notesMasterId r:id="rId10"/>
   </p:notesMasterIdLst>
   <p:sldIdLst>
     <p:sldId id="257" r:id="rId2"/>
@@ -15,6 +15,7 @@
     <p:sldId id="260" r:id="rId6"/>
     <p:sldId id="261" r:id="rId7"/>
     <p:sldId id="262" r:id="rId8"/>
+    <p:sldId id="263" r:id="rId9"/>
   </p:sldIdLst>
   <p:sldSz cx="12192000" cy="6858000"/>
   <p:notesSz cx="6858000" cy="9144000"/>
@@ -1340,6 +1341,121 @@
     <p:extLst>
       <p:ext uri="{BB962C8B-B14F-4D97-AF65-F5344CB8AC3E}">
         <p14:creationId xmlns:p14="http://schemas.microsoft.com/office/powerpoint/2010/main" val="3657951901"/>
+      </p:ext>
+    </p:extLst>
+  </p:cSld>
+  <p:clrMapOvr>
+    <a:masterClrMapping/>
+  </p:clrMapOvr>
+</p:notes>
+</file>
+
+<file path=ppt/notesSlides/notesSlide5.xml><?xml version="1.0" encoding="utf-8"?>
+<p:notes xmlns:a="http://schemas.openxmlformats.org/drawingml/2006/main" xmlns:r="http://schemas.openxmlformats.org/officeDocument/2006/relationships" xmlns:p="http://schemas.openxmlformats.org/presentationml/2006/main">
+  <p:cSld>
+    <p:spTree>
+      <p:nvGrpSpPr>
+        <p:cNvPr id="1" name=""/>
+        <p:cNvGrpSpPr/>
+        <p:nvPr/>
+      </p:nvGrpSpPr>
+      <p:grpSpPr>
+        <a:xfrm>
+          <a:off x="0" y="0"/>
+          <a:ext cx="0" cy="0"/>
+          <a:chOff x="0" y="0"/>
+          <a:chExt cx="0" cy="0"/>
+        </a:xfrm>
+      </p:grpSpPr>
+      <p:sp>
+        <p:nvSpPr>
+          <p:cNvPr id="2" name="Slide Image Placeholder 1"/>
+          <p:cNvSpPr>
+            <a:spLocks noGrp="1" noRot="1" noChangeAspect="1"/>
+          </p:cNvSpPr>
+          <p:nvPr>
+            <p:ph type="sldImg"/>
+          </p:nvPr>
+        </p:nvSpPr>
+        <p:spPr/>
+      </p:sp>
+      <p:sp>
+        <p:nvSpPr>
+          <p:cNvPr id="3" name="Notes Placeholder 2"/>
+          <p:cNvSpPr>
+            <a:spLocks noGrp="1"/>
+          </p:cNvSpPr>
+          <p:nvPr>
+            <p:ph type="body" idx="1"/>
+          </p:nvPr>
+        </p:nvSpPr>
+        <p:spPr/>
+        <p:txBody>
+          <a:bodyPr/>
+          <a:lstStyle/>
+          <a:p>
+            <a:r>
+              <a:rPr lang="en-US" dirty="0"/>
+              <a:t>https://vdn1.vzuu.com/SD/e9541f14-231f-11eb-ab33-3a93930b0372.mp4?disable_local_cache=1&amp;auth_key=1628517139-0-0-28605fa853d5f43c2b0baafb081e2f45&amp;f=mp4&amp;bu=</a:t>
+            </a:r>
+            <a:r>
+              <a:rPr lang="en-US" dirty="0" err="1"/>
+              <a:t>pico&amp;expiration</a:t>
+            </a:r>
+            <a:r>
+              <a:rPr lang="en-US" dirty="0"/>
+              <a:t>=1628517139&amp;v=</a:t>
+            </a:r>
+            <a:r>
+              <a:rPr lang="en-US" dirty="0" err="1"/>
+              <a:t>hw</a:t>
+            </a:r>
+            <a:endParaRPr lang="en-US" dirty="0"/>
+          </a:p>
+          <a:p>
+            <a:r>
+              <a:rPr lang="zh-TW" altLang="en-US" dirty="0"/>
+              <a:t>讓小球滾下山坡，找到它們分別落在哪個山谷裡，原來谷歌大腦東京研究員</a:t>
+            </a:r>
+            <a:r>
+              <a:rPr lang="en-US" dirty="0" err="1"/>
+              <a:t>hardmaru</a:t>
+            </a:r>
+            <a:r>
+              <a:rPr lang="zh-TW" altLang="en-US" dirty="0"/>
+              <a:t>轉發了視頻對應的文章，評價它“像極了即時戰略遊戲”。</a:t>
+            </a:r>
+            <a:endParaRPr lang="en-TW" dirty="0"/>
+          </a:p>
+        </p:txBody>
+      </p:sp>
+      <p:sp>
+        <p:nvSpPr>
+          <p:cNvPr id="4" name="Slide Number Placeholder 3"/>
+          <p:cNvSpPr>
+            <a:spLocks noGrp="1"/>
+          </p:cNvSpPr>
+          <p:nvPr>
+            <p:ph type="sldNum" sz="quarter" idx="5"/>
+          </p:nvPr>
+        </p:nvSpPr>
+        <p:spPr/>
+        <p:txBody>
+          <a:bodyPr/>
+          <a:lstStyle/>
+          <a:p>
+            <a:fld id="{41F77630-0304-4BDB-992F-F15AAB68FE33}" type="slidenum">
+              <a:rPr lang="zh-TW" altLang="en-US" smtClean="0"/>
+              <a:t>8</a:t>
+            </a:fld>
+            <a:endParaRPr lang="zh-TW" altLang="en-US"/>
+          </a:p>
+        </p:txBody>
+      </p:sp>
+    </p:spTree>
+    <p:extLst>
+      <p:ext uri="{BB962C8B-B14F-4D97-AF65-F5344CB8AC3E}">
+        <p14:creationId xmlns:p14="http://schemas.microsoft.com/office/powerpoint/2010/main" val="820450591"/>
       </p:ext>
     </p:extLst>
   </p:cSld>
@@ -9618,6 +9734,134 @@
 </p:sld>
 </file>
 
+<file path=ppt/slides/slide8.xml><?xml version="1.0" encoding="utf-8"?>
+<p:sld xmlns:a="http://schemas.openxmlformats.org/drawingml/2006/main" xmlns:r="http://schemas.openxmlformats.org/officeDocument/2006/relationships" xmlns:p="http://schemas.openxmlformats.org/presentationml/2006/main">
+  <p:cSld>
+    <p:spTree>
+      <p:nvGrpSpPr>
+        <p:cNvPr id="1" name=""/>
+        <p:cNvGrpSpPr/>
+        <p:nvPr/>
+      </p:nvGrpSpPr>
+      <p:grpSpPr>
+        <a:xfrm>
+          <a:off x="0" y="0"/>
+          <a:ext cx="0" cy="0"/>
+          <a:chOff x="0" y="0"/>
+          <a:chExt cx="0" cy="0"/>
+        </a:xfrm>
+      </p:grpSpPr>
+      <p:sp>
+        <p:nvSpPr>
+          <p:cNvPr id="2" name="Title 1">
+            <a:extLst>
+              <a:ext uri="{FF2B5EF4-FFF2-40B4-BE49-F238E27FC236}">
+                <a16:creationId xmlns:a16="http://schemas.microsoft.com/office/drawing/2014/main" id="{821F734B-0581-EC47-AECB-A9B3079A71BD}"/>
+              </a:ext>
+            </a:extLst>
+          </p:cNvPr>
+          <p:cNvSpPr>
+            <a:spLocks noGrp="1"/>
+          </p:cNvSpPr>
+          <p:nvPr>
+            <p:ph type="title"/>
+          </p:nvPr>
+        </p:nvSpPr>
+        <p:spPr/>
+        <p:txBody>
+          <a:bodyPr/>
+          <a:lstStyle/>
+          <a:p>
+            <a:endParaRPr lang="en-TW" dirty="0"/>
+          </a:p>
+        </p:txBody>
+      </p:sp>
+      <p:sp>
+        <p:nvSpPr>
+          <p:cNvPr id="3" name="Content Placeholder 2">
+            <a:extLst>
+              <a:ext uri="{FF2B5EF4-FFF2-40B4-BE49-F238E27FC236}">
+                <a16:creationId xmlns:a16="http://schemas.microsoft.com/office/drawing/2014/main" id="{14461DB7-C3F2-854D-9DD3-8EAC26149423}"/>
+              </a:ext>
+            </a:extLst>
+          </p:cNvPr>
+          <p:cNvSpPr>
+            <a:spLocks noGrp="1"/>
+          </p:cNvSpPr>
+          <p:nvPr>
+            <p:ph idx="1"/>
+          </p:nvPr>
+        </p:nvSpPr>
+        <p:spPr/>
+        <p:txBody>
+          <a:bodyPr/>
+          <a:lstStyle/>
+          <a:p>
+            <a:r>
+              <a:rPr lang="zh-TW" altLang="en-US" dirty="0"/>
+              <a:t>下面的這張動圖演示，乍看就像就像是在復雜地形中作戰的沙盤推演，其實揭示的是隨機梯度下降（</a:t>
+            </a:r>
+            <a:r>
+              <a:rPr lang="en-US" dirty="0"/>
+              <a:t>SGD）</a:t>
+            </a:r>
+            <a:r>
+              <a:rPr lang="zh-TW" altLang="en-US" dirty="0"/>
+              <a:t>算法的本質。</a:t>
+            </a:r>
+            <a:endParaRPr lang="en-TW" dirty="0"/>
+          </a:p>
+        </p:txBody>
+      </p:sp>
+      <p:pic>
+        <p:nvPicPr>
+          <p:cNvPr id="5" name="Picture 4">
+            <a:extLst>
+              <a:ext uri="{FF2B5EF4-FFF2-40B4-BE49-F238E27FC236}">
+                <a16:creationId xmlns:a16="http://schemas.microsoft.com/office/drawing/2014/main" id="{9091DA62-47B1-A141-8034-092383EFFA57}"/>
+              </a:ext>
+            </a:extLst>
+          </p:cNvPr>
+          <p:cNvPicPr>
+            <a:picLocks noChangeAspect="1"/>
+          </p:cNvPicPr>
+          <p:nvPr/>
+        </p:nvPicPr>
+        <p:blipFill>
+          <a:blip r:embed="rId3">
+            <a:extLst>
+              <a:ext uri="{28A0092B-C50C-407E-A947-70E740481C1C}">
+                <a14:useLocalDpi xmlns:a14="http://schemas.microsoft.com/office/drawing/2010/main" val="0"/>
+              </a:ext>
+            </a:extLst>
+          </a:blip>
+          <a:stretch>
+            <a:fillRect/>
+          </a:stretch>
+        </p:blipFill>
+        <p:spPr>
+          <a:xfrm>
+            <a:off x="2195689" y="2925763"/>
+            <a:ext cx="8026400" cy="3251200"/>
+          </a:xfrm>
+          <a:prstGeom prst="rect">
+            <a:avLst/>
+          </a:prstGeom>
+        </p:spPr>
+      </p:pic>
+    </p:spTree>
+    <p:extLst>
+      <p:ext uri="{BB962C8B-B14F-4D97-AF65-F5344CB8AC3E}">
+        <p14:creationId xmlns:p14="http://schemas.microsoft.com/office/powerpoint/2010/main" val="2533798899"/>
+      </p:ext>
+    </p:extLst>
+  </p:cSld>
+  <p:clrMapOvr>
+    <a:masterClrMapping/>
+  </p:clrMapOvr>
+</p:sld>
+</file>
+
 <file path=ppt/theme/theme1.xml><?xml version="1.0" encoding="utf-8"?>
 <a:theme xmlns:a="http://schemas.openxmlformats.org/drawingml/2006/main" name="Office 佈景主題">
   <a:themeElements>

--- a/_posts/ithome/2021/線性回歸/Linear Regression.pptx
+++ b/_posts/ithome/2021/線性回歸/Linear Regression.pptx
@@ -1226,6 +1226,18 @@
                 <a:cs typeface="+mn-cs"/>
               </a:rPr>
               <a:t>的迭代 。</a:t>
+            </a:r>
+            <a:r>
+              <a:rPr lang="en-US" altLang="zh-TW" sz="1200" b="0" i="0" kern="1200">
+                <a:solidFill>
+                  <a:schemeClr val="tx1"/>
+                </a:solidFill>
+                <a:effectLst/>
+                <a:latin typeface="+mn-lt"/>
+                <a:ea typeface="+mn-ea"/>
+                <a:cs typeface="+mn-cs"/>
+              </a:rPr>
+              <a:t> https://iter01.com/539038.html</a:t>
             </a:r>
             <a:endParaRPr lang="en-US" altLang="zh-TW" sz="1200" b="0" i="0" kern="1200" dirty="0">
               <a:solidFill>
@@ -9373,8 +9385,8 @@
           </p:sp>
         </mc:Fallback>
       </mc:AlternateContent>
-      <mc:AlternateContent xmlns:mc="http://schemas.openxmlformats.org/markup-compatibility/2006">
-        <mc:Choice xmlns:a14="http://schemas.microsoft.com/office/drawing/2010/main" Requires="a14">
+      <mc:AlternateContent xmlns:mc="http://schemas.openxmlformats.org/markup-compatibility/2006" xmlns:a14="http://schemas.microsoft.com/office/drawing/2010/main">
+        <mc:Choice Requires="a14">
           <p:sp>
             <p:nvSpPr>
               <p:cNvPr id="11" name="TextBox 10">
@@ -9524,7 +9536,7 @@
             </p:txBody>
           </p:sp>
         </mc:Choice>
-        <mc:Fallback>
+        <mc:Fallback xmlns="">
           <p:sp>
             <p:nvSpPr>
               <p:cNvPr id="11" name="TextBox 10">

--- a/_posts/ithome/2021/線性回歸/Linear Regression.pptx
+++ b/_posts/ithome/2021/線性回歸/Linear Regression.pptx
@@ -204,7 +204,7 @@
           <a:p>
             <a:fld id="{70F9483D-5685-4610-8B91-BE6D65D1569A}" type="datetimeFigureOut">
               <a:rPr lang="zh-TW" altLang="en-US" smtClean="0"/>
-              <a:t>2021/8/9</a:t>
+              <a:t>2021/8/10</a:t>
             </a:fld>
             <a:endParaRPr lang="zh-TW" altLang="en-US"/>
           </a:p>
@@ -4003,7 +4003,7 @@
           <a:p>
             <a:fld id="{B90AA977-5E56-4B1C-84F9-CDECE789AE20}" type="datetimeFigureOut">
               <a:rPr lang="zh-TW" altLang="en-US" smtClean="0"/>
-              <a:t>2021/8/9</a:t>
+              <a:t>2021/8/10</a:t>
             </a:fld>
             <a:endParaRPr lang="zh-TW" altLang="en-US"/>
           </a:p>
@@ -4612,9 +4612,9 @@
             <a:endParaRPr lang="en-US" altLang="zh-TW" sz="2400" dirty="0"/>
           </a:p>
           <a:p>
-            <a:endParaRPr lang="en-US" altLang="zh-TW" sz="2400" dirty="0"/>
-          </a:p>
-          <a:p>
+            <a:pPr marL="0" indent="0">
+              <a:buNone/>
+            </a:pPr>
             <a:endParaRPr lang="en-US" altLang="zh-TW" sz="2400" dirty="0"/>
           </a:p>
           <a:p>
@@ -4819,6 +4819,53 @@
           <a:xfrm>
             <a:off x="3675452" y="2733989"/>
             <a:ext cx="1215027" cy="329793"/>
+          </a:xfrm>
+          <a:prstGeom prst="rect">
+            <a:avLst/>
+          </a:prstGeom>
+          <a:noFill/>
+          <a:extLst>
+            <a:ext uri="{909E8E84-426E-40DD-AFC4-6F175D3DCCD1}">
+              <a14:hiddenFill xmlns:a14="http://schemas.microsoft.com/office/drawing/2010/main">
+                <a:solidFill>
+                  <a:srgbClr val="FFFFFF"/>
+                </a:solidFill>
+              </a14:hiddenFill>
+            </a:ext>
+          </a:extLst>
+        </p:spPr>
+      </p:pic>
+      <p:pic>
+        <p:nvPicPr>
+          <p:cNvPr id="1026" name="Picture 2">
+            <a:extLst>
+              <a:ext uri="{FF2B5EF4-FFF2-40B4-BE49-F238E27FC236}">
+                <a16:creationId xmlns:a16="http://schemas.microsoft.com/office/drawing/2014/main" id="{4A3D48C8-7863-F840-8A13-5659A59FAF37}"/>
+              </a:ext>
+            </a:extLst>
+          </p:cNvPr>
+          <p:cNvPicPr>
+            <a:picLocks noChangeAspect="1" noChangeArrowheads="1"/>
+          </p:cNvPicPr>
+          <p:nvPr/>
+        </p:nvPicPr>
+        <p:blipFill>
+          <a:blip r:embed="rId7">
+            <a:extLst>
+              <a:ext uri="{28A0092B-C50C-407E-A947-70E740481C1C}">
+                <a14:useLocalDpi xmlns:a14="http://schemas.microsoft.com/office/drawing/2010/main" val="0"/>
+              </a:ext>
+            </a:extLst>
+          </a:blip>
+          <a:srcRect/>
+          <a:stretch>
+            <a:fillRect/>
+          </a:stretch>
+        </p:blipFill>
+        <p:spPr bwMode="auto">
+          <a:xfrm>
+            <a:off x="838200" y="4802236"/>
+            <a:ext cx="4628276" cy="1857450"/>
           </a:xfrm>
           <a:prstGeom prst="rect">
             <a:avLst/>
